--- a/презентация.pptx
+++ b/презентация.pptx
@@ -839,7 +839,7 @@
             <a:fld id="{B61BEF0D-F0BB-DE4B-95CE-6DB70DBA9567}" type="datetimeFigureOut">
               <a:rPr lang="en-US" dirty="0"/>
               <a:pPr/>
-              <a:t>8/30/2025</a:t>
+              <a:t>9/3/2025</a:t>
             </a:fld>
             <a:endParaRPr lang="en-US" dirty="0"/>
           </a:p>
@@ -1087,7 +1087,7 @@
             <a:fld id="{B61BEF0D-F0BB-DE4B-95CE-6DB70DBA9567}" type="datetimeFigureOut">
               <a:rPr lang="en-US" dirty="0"/>
               <a:pPr/>
-              <a:t>8/30/2025</a:t>
+              <a:t>9/3/2025</a:t>
             </a:fld>
             <a:endParaRPr lang="en-US" dirty="0"/>
           </a:p>
@@ -1398,7 +1398,7 @@
             <a:fld id="{B61BEF0D-F0BB-DE4B-95CE-6DB70DBA9567}" type="datetimeFigureOut">
               <a:rPr lang="en-US" dirty="0"/>
               <a:pPr/>
-              <a:t>8/30/2025</a:t>
+              <a:t>9/3/2025</a:t>
             </a:fld>
             <a:endParaRPr lang="en-US" dirty="0"/>
           </a:p>
@@ -1736,7 +1736,7 @@
             <a:fld id="{B61BEF0D-F0BB-DE4B-95CE-6DB70DBA9567}" type="datetimeFigureOut">
               <a:rPr lang="en-US" dirty="0"/>
               <a:pPr/>
-              <a:t>8/30/2025</a:t>
+              <a:t>9/3/2025</a:t>
             </a:fld>
             <a:endParaRPr lang="en-US" dirty="0"/>
           </a:p>
@@ -2047,7 +2047,7 @@
             <a:fld id="{B61BEF0D-F0BB-DE4B-95CE-6DB70DBA9567}" type="datetimeFigureOut">
               <a:rPr lang="en-US" dirty="0"/>
               <a:pPr/>
-              <a:t>8/30/2025</a:t>
+              <a:t>9/3/2025</a:t>
             </a:fld>
             <a:endParaRPr lang="en-US" dirty="0"/>
           </a:p>
@@ -2437,7 +2437,7 @@
             <a:fld id="{B61BEF0D-F0BB-DE4B-95CE-6DB70DBA9567}" type="datetimeFigureOut">
               <a:rPr lang="en-US" dirty="0"/>
               <a:pPr/>
-              <a:t>8/30/2025</a:t>
+              <a:t>9/3/2025</a:t>
             </a:fld>
             <a:endParaRPr lang="en-US" dirty="0"/>
           </a:p>
@@ -2603,7 +2603,7 @@
           <a:p>
             <a:fld id="{55C6B4A9-1611-4792-9094-5F34BCA07E0B}" type="datetimeFigureOut">
               <a:rPr lang="en-US" dirty="0"/>
-              <a:t>8/30/2025</a:t>
+              <a:t>9/3/2025</a:t>
             </a:fld>
             <a:endParaRPr lang="en-US" dirty="0"/>
           </a:p>
@@ -2779,7 +2779,7 @@
             <a:fld id="{B61BEF0D-F0BB-DE4B-95CE-6DB70DBA9567}" type="datetimeFigureOut">
               <a:rPr lang="en-US" dirty="0"/>
               <a:pPr/>
-              <a:t>8/30/2025</a:t>
+              <a:t>9/3/2025</a:t>
             </a:fld>
             <a:endParaRPr lang="en-US" dirty="0"/>
           </a:p>
@@ -2952,7 +2952,7 @@
             <a:fld id="{B61BEF0D-F0BB-DE4B-95CE-6DB70DBA9567}" type="datetimeFigureOut">
               <a:rPr lang="en-US" dirty="0"/>
               <a:pPr/>
-              <a:t>8/30/2025</a:t>
+              <a:t>9/3/2025</a:t>
             </a:fld>
             <a:endParaRPr lang="en-US" dirty="0"/>
           </a:p>
@@ -3196,7 +3196,7 @@
             <a:fld id="{B61BEF0D-F0BB-DE4B-95CE-6DB70DBA9567}" type="datetimeFigureOut">
               <a:rPr lang="en-US" dirty="0"/>
               <a:pPr/>
-              <a:t>8/30/2025</a:t>
+              <a:t>9/3/2025</a:t>
             </a:fld>
             <a:endParaRPr lang="en-US" dirty="0"/>
           </a:p>
@@ -3424,7 +3424,7 @@
           <a:p>
             <a:fld id="{EB712588-04B1-427B-82EE-E8DB90309F08}" type="datetimeFigureOut">
               <a:rPr lang="en-US" dirty="0"/>
-              <a:t>8/30/2025</a:t>
+              <a:t>9/3/2025</a:t>
             </a:fld>
             <a:endParaRPr lang="en-US" dirty="0"/>
           </a:p>
@@ -3794,7 +3794,7 @@
             <a:fld id="{B61BEF0D-F0BB-DE4B-95CE-6DB70DBA9567}" type="datetimeFigureOut">
               <a:rPr lang="en-US" dirty="0"/>
               <a:pPr/>
-              <a:t>8/30/2025</a:t>
+              <a:t>9/3/2025</a:t>
             </a:fld>
             <a:endParaRPr lang="en-US" dirty="0"/>
           </a:p>
@@ -3914,7 +3914,7 @@
             <a:fld id="{B61BEF0D-F0BB-DE4B-95CE-6DB70DBA9567}" type="datetimeFigureOut">
               <a:rPr lang="en-US" dirty="0"/>
               <a:pPr/>
-              <a:t>8/30/2025</a:t>
+              <a:t>9/3/2025</a:t>
             </a:fld>
             <a:endParaRPr lang="en-US" dirty="0"/>
           </a:p>
@@ -4006,7 +4006,7 @@
             <a:fld id="{B61BEF0D-F0BB-DE4B-95CE-6DB70DBA9567}" type="datetimeFigureOut">
               <a:rPr lang="en-US" dirty="0"/>
               <a:pPr/>
-              <a:t>8/30/2025</a:t>
+              <a:t>9/3/2025</a:t>
             </a:fld>
             <a:endParaRPr lang="en-US" dirty="0"/>
           </a:p>
@@ -4257,7 +4257,7 @@
           <a:p>
             <a:fld id="{42A54C80-263E-416B-A8E0-580EDEADCBDC}" type="datetimeFigureOut">
               <a:rPr lang="en-US" dirty="0"/>
-              <a:t>8/30/2025</a:t>
+              <a:t>9/3/2025</a:t>
             </a:fld>
             <a:endParaRPr lang="en-US" dirty="0"/>
           </a:p>
@@ -4516,7 +4516,7 @@
             <a:fld id="{B61BEF0D-F0BB-DE4B-95CE-6DB70DBA9567}" type="datetimeFigureOut">
               <a:rPr lang="en-US" dirty="0"/>
               <a:pPr/>
-              <a:t>8/30/2025</a:t>
+              <a:t>9/3/2025</a:t>
             </a:fld>
             <a:endParaRPr lang="en-US" dirty="0"/>
           </a:p>
@@ -5256,7 +5256,7 @@
             <a:fld id="{B61BEF0D-F0BB-DE4B-95CE-6DB70DBA9567}" type="datetimeFigureOut">
               <a:rPr lang="en-US" dirty="0"/>
               <a:pPr/>
-              <a:t>8/30/2025</a:t>
+              <a:t>9/3/2025</a:t>
             </a:fld>
             <a:endParaRPr lang="en-US" dirty="0"/>
           </a:p>
@@ -8386,7 +8386,7 @@
         </p:nvSpPr>
         <p:spPr>
           <a:xfrm>
-            <a:off x="0" y="685800"/>
+            <a:off x="394447" y="611267"/>
             <a:ext cx="7086600" cy="5969734"/>
           </a:xfrm>
           <a:prstGeom prst="roundRect">
